--- a/项目文档/文档与ppt/G10项目实现PPT.pptx
+++ b/项目文档/文档与ppt/G10项目实现PPT.pptx
@@ -5,20 +5,36 @@
     <p:sldMasterId id="2147483648" r:id="rId1"/>
   </p:sldMasterIdLst>
   <p:notesMasterIdLst>
-    <p:notesMasterId r:id="rId5"/>
+    <p:notesMasterId r:id="rId9"/>
   </p:notesMasterIdLst>
   <p:sldIdLst>
     <p:sldId id="258" r:id="rId2"/>
     <p:sldId id="470" r:id="rId3"/>
-    <p:sldId id="320" r:id="rId4"/>
+    <p:sldId id="471" r:id="rId4"/>
+    <p:sldId id="474" r:id="rId5"/>
+    <p:sldId id="472" r:id="rId6"/>
+    <p:sldId id="473" r:id="rId7"/>
+    <p:sldId id="320" r:id="rId8"/>
   </p:sldIdLst>
   <p:sldSz cx="12192000" cy="6858000"/>
   <p:notesSz cx="6858000" cy="9144000"/>
   <p:embeddedFontLst>
     <p:embeddedFont>
+      <p:font typeface="Microsoft YaHei" panose="020B0503020204020204" pitchFamily="34" charset="-122"/>
+      <p:regular r:id="rId10"/>
+      <p:bold r:id="rId11"/>
+    </p:embeddedFont>
+    <p:embeddedFont>
+      <p:font typeface="Calibri" panose="020F0502020204030204" pitchFamily="34" charset="0"/>
+      <p:regular r:id="rId12"/>
+      <p:bold r:id="rId13"/>
+      <p:italic r:id="rId14"/>
+      <p:boldItalic r:id="rId15"/>
+    </p:embeddedFont>
+    <p:embeddedFont>
       <p:font typeface="等线" panose="02010600030101010101" pitchFamily="2" charset="-122"/>
-      <p:regular r:id="rId6"/>
-      <p:bold r:id="rId7"/>
+      <p:regular r:id="rId16"/>
+      <p:bold r:id="rId17"/>
     </p:embeddedFont>
   </p:embeddedFontLst>
   <p:defaultTextStyle>
@@ -217,7 +233,7 @@
           <a:p>
             <a:fld id="{A109EA2A-4C48-4C61-B30A-DAB1A3E93B21}" type="datetimeFigureOut">
               <a:rPr lang="zh-CN" altLang="en-US" smtClean="0"/>
-              <a:t>2021/12/15</a:t>
+              <a:t>2021/12/17</a:t>
             </a:fld>
             <a:endParaRPr lang="zh-CN" altLang="en-US"/>
           </a:p>
@@ -1438,6 +1454,135 @@
           <a:chExt cx="0" cy="0"/>
         </a:xfrm>
       </p:grpSpPr>
+      <p:sp>
+        <p:nvSpPr>
+          <p:cNvPr id="5" name="矩形 4">
+            <a:extLst>
+              <a:ext uri="{FF2B5EF4-FFF2-40B4-BE49-F238E27FC236}">
+                <a16:creationId xmlns:a16="http://schemas.microsoft.com/office/drawing/2014/main" id="{3E8D342E-D0AA-4B2D-8AD9-9CB0FB37705A}"/>
+              </a:ext>
+            </a:extLst>
+          </p:cNvPr>
+          <p:cNvSpPr/>
+          <p:nvPr/>
+        </p:nvSpPr>
+        <p:spPr>
+          <a:xfrm>
+            <a:off x="4672978" y="567035"/>
+            <a:ext cx="1826141" cy="584775"/>
+          </a:xfrm>
+          <a:prstGeom prst="rect">
+            <a:avLst/>
+          </a:prstGeom>
+          <a:noFill/>
+        </p:spPr>
+        <p:txBody>
+          <a:bodyPr wrap="none" lIns="91440" tIns="45720" rIns="91440" bIns="45720">
+            <a:spAutoFit/>
+          </a:bodyPr>
+          <a:lstStyle/>
+          <a:p>
+            <a:pPr algn="ctr"/>
+            <a:r>
+              <a:rPr lang="zh-CN" altLang="en-US" sz="3200" b="0" cap="none" spc="0" dirty="0">
+                <a:ln w="0"/>
+                <a:solidFill>
+                  <a:schemeClr val="tx1"/>
+                </a:solidFill>
+                <a:effectLst>
+                  <a:outerShdw blurRad="38100" dist="19050" dir="2700000" algn="tl" rotWithShape="0">
+                    <a:schemeClr val="dk1">
+                      <a:alpha val="40000"/>
+                    </a:schemeClr>
+                  </a:outerShdw>
+                </a:effectLst>
+              </a:rPr>
+              <a:t>代码规范</a:t>
+            </a:r>
+          </a:p>
+        </p:txBody>
+      </p:sp>
+      <p:sp>
+        <p:nvSpPr>
+          <p:cNvPr id="6" name="文本框 5">
+            <a:extLst>
+              <a:ext uri="{FF2B5EF4-FFF2-40B4-BE49-F238E27FC236}">
+                <a16:creationId xmlns:a16="http://schemas.microsoft.com/office/drawing/2014/main" id="{CE17E6E9-9515-4391-B963-75311FA8F6A3}"/>
+              </a:ext>
+            </a:extLst>
+          </p:cNvPr>
+          <p:cNvSpPr txBox="1"/>
+          <p:nvPr/>
+        </p:nvSpPr>
+        <p:spPr>
+          <a:xfrm>
+            <a:off x="3204663" y="2233228"/>
+            <a:ext cx="7869116" cy="2031325"/>
+          </a:xfrm>
+          <a:prstGeom prst="rect">
+            <a:avLst/>
+          </a:prstGeom>
+          <a:noFill/>
+        </p:spPr>
+        <p:txBody>
+          <a:bodyPr wrap="square" rtlCol="0">
+            <a:spAutoFit/>
+          </a:bodyPr>
+          <a:lstStyle/>
+          <a:p>
+            <a:r>
+              <a:rPr lang="en-US" altLang="zh-CN" dirty="0"/>
+              <a:t>1.</a:t>
+            </a:r>
+            <a:r>
+              <a:rPr lang="zh-CN" altLang="en-US" dirty="0"/>
+              <a:t>变量名</a:t>
+            </a:r>
+            <a:endParaRPr lang="en-US" altLang="zh-CN" dirty="0"/>
+          </a:p>
+          <a:p>
+            <a:endParaRPr lang="en-US" altLang="zh-CN" dirty="0"/>
+          </a:p>
+          <a:p>
+            <a:r>
+              <a:rPr lang="en-US" altLang="zh-CN" dirty="0"/>
+              <a:t>2.</a:t>
+            </a:r>
+            <a:r>
+              <a:rPr lang="zh-CN" altLang="en-US" dirty="0"/>
+              <a:t>云函数小驼峰</a:t>
+            </a:r>
+            <a:endParaRPr lang="en-US" altLang="zh-CN" dirty="0"/>
+          </a:p>
+          <a:p>
+            <a:endParaRPr lang="en-US" altLang="zh-CN" dirty="0"/>
+          </a:p>
+          <a:p>
+            <a:r>
+              <a:rPr lang="en-US" altLang="zh-CN" dirty="0"/>
+              <a:t>3.Pages</a:t>
+            </a:r>
+            <a:r>
+              <a:rPr lang="zh-CN" altLang="en-US" dirty="0"/>
+              <a:t>名大驼峰</a:t>
+            </a:r>
+            <a:endParaRPr lang="en-US" altLang="zh-CN" dirty="0"/>
+          </a:p>
+          <a:p>
+            <a:endParaRPr lang="en-US" altLang="zh-CN" dirty="0"/>
+          </a:p>
+          <a:p>
+            <a:r>
+              <a:rPr lang="en-US" altLang="zh-CN" dirty="0"/>
+              <a:t>4.</a:t>
+            </a:r>
+            <a:r>
+              <a:rPr lang="zh-CN" altLang="en-US" dirty="0"/>
+              <a:t>常量命名全部大写，单词之间用下划线隔开</a:t>
+            </a:r>
+          </a:p>
+        </p:txBody>
+      </p:sp>
     </p:spTree>
     <p:extLst>
       <p:ext uri="{BB962C8B-B14F-4D97-AF65-F5344CB8AC3E}">
@@ -1452,6 +1597,955 @@
 </file>
 
 <file path=ppt/slides/slide3.xml><?xml version="1.0" encoding="utf-8"?>
+<p:sld xmlns:a="http://schemas.openxmlformats.org/drawingml/2006/main" xmlns:r="http://schemas.openxmlformats.org/officeDocument/2006/relationships" xmlns:p="http://schemas.openxmlformats.org/presentationml/2006/main">
+  <p:cSld>
+    <p:spTree>
+      <p:nvGrpSpPr>
+        <p:cNvPr id="1" name=""/>
+        <p:cNvGrpSpPr/>
+        <p:nvPr/>
+      </p:nvGrpSpPr>
+      <p:grpSpPr>
+        <a:xfrm>
+          <a:off x="0" y="0"/>
+          <a:ext cx="0" cy="0"/>
+          <a:chOff x="0" y="0"/>
+          <a:chExt cx="0" cy="0"/>
+        </a:xfrm>
+      </p:grpSpPr>
+      <p:sp>
+        <p:nvSpPr>
+          <p:cNvPr id="4" name="矩形 3">
+            <a:extLst>
+              <a:ext uri="{FF2B5EF4-FFF2-40B4-BE49-F238E27FC236}">
+                <a16:creationId xmlns:a16="http://schemas.microsoft.com/office/drawing/2014/main" id="{808896F1-0158-441C-AA1B-FF42AD62AD86}"/>
+              </a:ext>
+            </a:extLst>
+          </p:cNvPr>
+          <p:cNvSpPr/>
+          <p:nvPr/>
+        </p:nvSpPr>
+        <p:spPr>
+          <a:xfrm>
+            <a:off x="4451728" y="356828"/>
+            <a:ext cx="2646878" cy="584775"/>
+          </a:xfrm>
+          <a:prstGeom prst="rect">
+            <a:avLst/>
+          </a:prstGeom>
+          <a:noFill/>
+        </p:spPr>
+        <p:txBody>
+          <a:bodyPr wrap="none" lIns="91440" tIns="45720" rIns="91440" bIns="45720">
+            <a:spAutoFit/>
+          </a:bodyPr>
+          <a:lstStyle/>
+          <a:p>
+            <a:pPr algn="ctr"/>
+            <a:r>
+              <a:rPr lang="zh-CN" altLang="en-US" sz="3200" b="0" cap="none" spc="0" dirty="0">
+                <a:ln w="0"/>
+                <a:solidFill>
+                  <a:schemeClr val="tx1"/>
+                </a:solidFill>
+                <a:effectLst>
+                  <a:outerShdw blurRad="38100" dist="19050" dir="2700000" algn="tl" rotWithShape="0">
+                    <a:schemeClr val="dk1">
+                      <a:alpha val="40000"/>
+                    </a:schemeClr>
+                  </a:outerShdw>
+                </a:effectLst>
+              </a:rPr>
+              <a:t>代码内部走查</a:t>
+            </a:r>
+          </a:p>
+        </p:txBody>
+      </p:sp>
+      <p:pic>
+        <p:nvPicPr>
+          <p:cNvPr id="3" name="图片 2">
+            <a:extLst>
+              <a:ext uri="{FF2B5EF4-FFF2-40B4-BE49-F238E27FC236}">
+                <a16:creationId xmlns:a16="http://schemas.microsoft.com/office/drawing/2014/main" id="{7AD55177-D1F3-4211-961A-71DE4BB6A5A0}"/>
+              </a:ext>
+            </a:extLst>
+          </p:cNvPr>
+          <p:cNvPicPr>
+            <a:picLocks noChangeAspect="1"/>
+          </p:cNvPicPr>
+          <p:nvPr/>
+        </p:nvPicPr>
+        <p:blipFill>
+          <a:blip r:embed="rId2"/>
+          <a:stretch>
+            <a:fillRect/>
+          </a:stretch>
+        </p:blipFill>
+        <p:spPr>
+          <a:xfrm>
+            <a:off x="919877" y="1151810"/>
+            <a:ext cx="5002435" cy="5449614"/>
+          </a:xfrm>
+          <a:prstGeom prst="rect">
+            <a:avLst/>
+          </a:prstGeom>
+        </p:spPr>
+      </p:pic>
+      <p:pic>
+        <p:nvPicPr>
+          <p:cNvPr id="8" name="图片 7">
+            <a:extLst>
+              <a:ext uri="{FF2B5EF4-FFF2-40B4-BE49-F238E27FC236}">
+                <a16:creationId xmlns:a16="http://schemas.microsoft.com/office/drawing/2014/main" id="{B297BA30-F9D0-44E7-ADDB-9C426D0EAE98}"/>
+              </a:ext>
+            </a:extLst>
+          </p:cNvPr>
+          <p:cNvPicPr>
+            <a:picLocks noChangeAspect="1"/>
+          </p:cNvPicPr>
+          <p:nvPr/>
+        </p:nvPicPr>
+        <p:blipFill>
+          <a:blip r:embed="rId3"/>
+          <a:stretch>
+            <a:fillRect/>
+          </a:stretch>
+        </p:blipFill>
+        <p:spPr>
+          <a:xfrm>
+            <a:off x="6347453" y="1075345"/>
+            <a:ext cx="4090823" cy="5602544"/>
+          </a:xfrm>
+          <a:prstGeom prst="rect">
+            <a:avLst/>
+          </a:prstGeom>
+        </p:spPr>
+      </p:pic>
+    </p:spTree>
+    <p:extLst>
+      <p:ext uri="{BB962C8B-B14F-4D97-AF65-F5344CB8AC3E}">
+        <p14:creationId xmlns:p14="http://schemas.microsoft.com/office/powerpoint/2010/main" val="4038513737"/>
+      </p:ext>
+    </p:extLst>
+  </p:cSld>
+  <p:clrMapOvr>
+    <a:masterClrMapping/>
+  </p:clrMapOvr>
+</p:sld>
+</file>
+
+<file path=ppt/slides/slide4.xml><?xml version="1.0" encoding="utf-8"?>
+<p:sld xmlns:a="http://schemas.openxmlformats.org/drawingml/2006/main" xmlns:r="http://schemas.openxmlformats.org/officeDocument/2006/relationships" xmlns:p="http://schemas.openxmlformats.org/presentationml/2006/main">
+  <p:cSld>
+    <p:spTree>
+      <p:nvGrpSpPr>
+        <p:cNvPr id="1" name=""/>
+        <p:cNvGrpSpPr/>
+        <p:nvPr/>
+      </p:nvGrpSpPr>
+      <p:grpSpPr>
+        <a:xfrm>
+          <a:off x="0" y="0"/>
+          <a:ext cx="0" cy="0"/>
+          <a:chOff x="0" y="0"/>
+          <a:chExt cx="0" cy="0"/>
+        </a:xfrm>
+      </p:grpSpPr>
+    </p:spTree>
+    <p:extLst>
+      <p:ext uri="{BB962C8B-B14F-4D97-AF65-F5344CB8AC3E}">
+        <p14:creationId xmlns:p14="http://schemas.microsoft.com/office/powerpoint/2010/main" val="3682585198"/>
+      </p:ext>
+    </p:extLst>
+  </p:cSld>
+  <p:clrMapOvr>
+    <a:masterClrMapping/>
+  </p:clrMapOvr>
+</p:sld>
+</file>
+
+<file path=ppt/slides/slide5.xml><?xml version="1.0" encoding="utf-8"?>
+<p:sld xmlns:a="http://schemas.openxmlformats.org/drawingml/2006/main" xmlns:r="http://schemas.openxmlformats.org/officeDocument/2006/relationships" xmlns:p="http://schemas.openxmlformats.org/presentationml/2006/main">
+  <p:cSld>
+    <p:spTree>
+      <p:nvGrpSpPr>
+        <p:cNvPr id="1" name=""/>
+        <p:cNvGrpSpPr/>
+        <p:nvPr/>
+      </p:nvGrpSpPr>
+      <p:grpSpPr>
+        <a:xfrm>
+          <a:off x="0" y="0"/>
+          <a:ext cx="0" cy="0"/>
+          <a:chOff x="0" y="0"/>
+          <a:chExt cx="0" cy="0"/>
+        </a:xfrm>
+      </p:grpSpPr>
+      <p:sp>
+        <p:nvSpPr>
+          <p:cNvPr id="3" name="矩形 2">
+            <a:extLst>
+              <a:ext uri="{FF2B5EF4-FFF2-40B4-BE49-F238E27FC236}">
+                <a16:creationId xmlns:a16="http://schemas.microsoft.com/office/drawing/2014/main" id="{8515BBBD-8159-49FA-B0D9-405E2214FB57}"/>
+              </a:ext>
+            </a:extLst>
+          </p:cNvPr>
+          <p:cNvSpPr/>
+          <p:nvPr/>
+        </p:nvSpPr>
+        <p:spPr>
+          <a:xfrm>
+            <a:off x="4680228" y="879225"/>
+            <a:ext cx="1415772" cy="461665"/>
+          </a:xfrm>
+          <a:prstGeom prst="rect">
+            <a:avLst/>
+          </a:prstGeom>
+        </p:spPr>
+        <p:txBody>
+          <a:bodyPr wrap="none">
+            <a:spAutoFit/>
+          </a:bodyPr>
+          <a:lstStyle/>
+          <a:p>
+            <a:r>
+              <a:rPr lang="zh-CN" altLang="en-US" sz="2400" b="1" dirty="0">
+                <a:solidFill>
+                  <a:schemeClr val="tx1">
+                    <a:lumMod val="75000"/>
+                    <a:lumOff val="25000"/>
+                  </a:schemeClr>
+                </a:solidFill>
+              </a:rPr>
+              <a:t>参考文献</a:t>
+            </a:r>
+          </a:p>
+        </p:txBody>
+      </p:sp>
+      <p:sp>
+        <p:nvSpPr>
+          <p:cNvPr id="4" name="矩形 3">
+            <a:extLst>
+              <a:ext uri="{FF2B5EF4-FFF2-40B4-BE49-F238E27FC236}">
+                <a16:creationId xmlns:a16="http://schemas.microsoft.com/office/drawing/2014/main" id="{DA7C627B-231E-43AD-9E25-AD0404F812D9}"/>
+              </a:ext>
+            </a:extLst>
+          </p:cNvPr>
+          <p:cNvSpPr/>
+          <p:nvPr/>
+        </p:nvSpPr>
+        <p:spPr>
+          <a:xfrm>
+            <a:off x="2490367" y="2505670"/>
+            <a:ext cx="9249104" cy="1538883"/>
+          </a:xfrm>
+          <a:prstGeom prst="rect">
+            <a:avLst/>
+          </a:prstGeom>
+        </p:spPr>
+        <p:txBody>
+          <a:bodyPr wrap="square">
+            <a:spAutoFit/>
+          </a:bodyPr>
+          <a:lstStyle/>
+          <a:p>
+            <a:pPr algn="just"/>
+            <a:r>
+              <a:rPr lang="en-US" altLang="zh-CN" sz="2400" kern="100" dirty="0">
+                <a:effectLst/>
+                <a:latin typeface="Calibri" panose="020F0502020204030204" pitchFamily="34" charset="0"/>
+                <a:ea typeface="宋体" panose="02010600030101010101" pitchFamily="2" charset="-122"/>
+                <a:cs typeface="Times New Roman" panose="02020603050405020304" pitchFamily="18" charset="0"/>
+              </a:rPr>
+              <a:t>[1] </a:t>
+            </a:r>
+            <a:r>
+              <a:rPr lang="zh-CN" altLang="zh-CN" sz="2400" kern="100" dirty="0">
+                <a:effectLst/>
+                <a:latin typeface="Calibri" panose="020F0502020204030204" pitchFamily="34" charset="0"/>
+                <a:ea typeface="宋体" panose="02010600030101010101" pitchFamily="2" charset="-122"/>
+                <a:cs typeface="Times New Roman" panose="02020603050405020304" pitchFamily="18" charset="0"/>
+              </a:rPr>
+              <a:t>张海藩</a:t>
+            </a:r>
+            <a:r>
+              <a:rPr lang="en-US" altLang="zh-CN" sz="2400" kern="100" dirty="0">
+                <a:effectLst/>
+                <a:latin typeface="Calibri" panose="020F0502020204030204" pitchFamily="34" charset="0"/>
+                <a:ea typeface="宋体" panose="02010600030101010101" pitchFamily="2" charset="-122"/>
+                <a:cs typeface="Times New Roman" panose="02020603050405020304" pitchFamily="18" charset="0"/>
+              </a:rPr>
+              <a:t>,</a:t>
+            </a:r>
+            <a:r>
+              <a:rPr lang="zh-CN" altLang="zh-CN" sz="2400" kern="100" dirty="0">
+                <a:effectLst/>
+                <a:latin typeface="Calibri" panose="020F0502020204030204" pitchFamily="34" charset="0"/>
+                <a:ea typeface="宋体" panose="02010600030101010101" pitchFamily="2" charset="-122"/>
+                <a:cs typeface="Times New Roman" panose="02020603050405020304" pitchFamily="18" charset="0"/>
+              </a:rPr>
+              <a:t>牟永敏</a:t>
+            </a:r>
+            <a:r>
+              <a:rPr lang="en-US" altLang="zh-CN" sz="2400" kern="100" dirty="0">
+                <a:effectLst/>
+                <a:latin typeface="Calibri" panose="020F0502020204030204" pitchFamily="34" charset="0"/>
+                <a:ea typeface="宋体" panose="02010600030101010101" pitchFamily="2" charset="-122"/>
+                <a:cs typeface="Times New Roman" panose="02020603050405020304" pitchFamily="18" charset="0"/>
+              </a:rPr>
+              <a:t>.</a:t>
+            </a:r>
+            <a:r>
+              <a:rPr lang="zh-CN" altLang="zh-CN" sz="2400" kern="100" dirty="0">
+                <a:effectLst/>
+                <a:latin typeface="Calibri" panose="020F0502020204030204" pitchFamily="34" charset="0"/>
+                <a:ea typeface="宋体" panose="02010600030101010101" pitchFamily="2" charset="-122"/>
+                <a:cs typeface="Times New Roman" panose="02020603050405020304" pitchFamily="18" charset="0"/>
+              </a:rPr>
+              <a:t>软件工程导论（第六版） </a:t>
+            </a:r>
+          </a:p>
+          <a:p>
+            <a:pPr algn="just"/>
+            <a:r>
+              <a:rPr lang="en-US" altLang="zh-CN" sz="2400" kern="100" dirty="0">
+                <a:effectLst/>
+                <a:latin typeface="Calibri" panose="020F0502020204030204" pitchFamily="34" charset="0"/>
+                <a:ea typeface="宋体" panose="02010600030101010101" pitchFamily="2" charset="-122"/>
+                <a:cs typeface="Times New Roman" panose="02020603050405020304" pitchFamily="18" charset="0"/>
+              </a:rPr>
+              <a:t>[2] GB8567-88</a:t>
+            </a:r>
+            <a:r>
+              <a:rPr lang="zh-CN" altLang="zh-CN" sz="2400" kern="100" dirty="0">
+                <a:effectLst/>
+                <a:latin typeface="Calibri" panose="020F0502020204030204" pitchFamily="34" charset="0"/>
+                <a:ea typeface="宋体" panose="02010600030101010101" pitchFamily="2" charset="-122"/>
+                <a:cs typeface="Times New Roman" panose="02020603050405020304" pitchFamily="18" charset="0"/>
+              </a:rPr>
+              <a:t>国标 </a:t>
+            </a:r>
+            <a:r>
+              <a:rPr lang="en-US" altLang="zh-CN" sz="2800" kern="100" dirty="0">
+                <a:effectLst/>
+                <a:latin typeface="Calibri" panose="020F0502020204030204" pitchFamily="34" charset="0"/>
+                <a:ea typeface="宋体" panose="02010600030101010101" pitchFamily="2" charset="-122"/>
+                <a:cs typeface="Times New Roman" panose="02020603050405020304" pitchFamily="18" charset="0"/>
+              </a:rPr>
+              <a:t>《</a:t>
+            </a:r>
+            <a:r>
+              <a:rPr lang="zh-CN" altLang="en-US" sz="2400" b="0" i="0" dirty="0">
+                <a:solidFill>
+                  <a:srgbClr val="171A1D"/>
+                </a:solidFill>
+                <a:effectLst/>
+                <a:latin typeface="Microsoft YaHei" panose="020B0503020204020204" pitchFamily="34" charset="-122"/>
+                <a:ea typeface="Microsoft YaHei" panose="020B0503020204020204" pitchFamily="34" charset="-122"/>
+              </a:rPr>
+              <a:t>软件设计文档国家标准</a:t>
+            </a:r>
+            <a:r>
+              <a:rPr lang="en-US" altLang="zh-CN" sz="2800" kern="100" dirty="0">
+                <a:effectLst/>
+                <a:latin typeface="Calibri" panose="020F0502020204030204" pitchFamily="34" charset="0"/>
+                <a:ea typeface="宋体" panose="02010600030101010101" pitchFamily="2" charset="-122"/>
+                <a:cs typeface="Times New Roman" panose="02020603050405020304" pitchFamily="18" charset="0"/>
+              </a:rPr>
+              <a:t>》</a:t>
+            </a:r>
+            <a:endParaRPr lang="en-US" altLang="zh-CN" sz="2400" kern="100" dirty="0">
+              <a:effectLst/>
+              <a:latin typeface="Calibri" panose="020F0502020204030204" pitchFamily="34" charset="0"/>
+              <a:ea typeface="宋体" panose="02010600030101010101" pitchFamily="2" charset="-122"/>
+              <a:cs typeface="Times New Roman" panose="02020603050405020304" pitchFamily="18" charset="0"/>
+            </a:endParaRPr>
+          </a:p>
+          <a:p>
+            <a:pPr algn="just"/>
+            <a:r>
+              <a:rPr lang="en-US" altLang="zh-CN" sz="2400" kern="100" dirty="0">
+                <a:effectLst/>
+                <a:latin typeface="Calibri" panose="020F0502020204030204" pitchFamily="34" charset="0"/>
+                <a:ea typeface="宋体" panose="02010600030101010101" pitchFamily="2" charset="-122"/>
+                <a:cs typeface="Times New Roman" panose="02020603050405020304" pitchFamily="18" charset="0"/>
+              </a:rPr>
+              <a:t>[</a:t>
+            </a:r>
+            <a:r>
+              <a:rPr lang="en-US" altLang="zh-CN" sz="2400" kern="100" dirty="0">
+                <a:latin typeface="Calibri" panose="020F0502020204030204" pitchFamily="34" charset="0"/>
+                <a:ea typeface="宋体" panose="02010600030101010101" pitchFamily="2" charset="-122"/>
+                <a:cs typeface="Times New Roman" panose="02020603050405020304" pitchFamily="18" charset="0"/>
+              </a:rPr>
+              <a:t>3</a:t>
+            </a:r>
+            <a:r>
+              <a:rPr lang="en-US" altLang="zh-CN" sz="2400" kern="100" dirty="0">
+                <a:effectLst/>
+                <a:latin typeface="Calibri" panose="020F0502020204030204" pitchFamily="34" charset="0"/>
+                <a:ea typeface="宋体" panose="02010600030101010101" pitchFamily="2" charset="-122"/>
+                <a:cs typeface="Times New Roman" panose="02020603050405020304" pitchFamily="18" charset="0"/>
+              </a:rPr>
+              <a:t>] </a:t>
+            </a:r>
+            <a:r>
+              <a:rPr lang="zh-CN" altLang="zh-CN" sz="2400" kern="100" dirty="0">
+                <a:effectLst/>
+                <a:latin typeface="Calibri" panose="020F0502020204030204" pitchFamily="34" charset="0"/>
+                <a:ea typeface="宋体" panose="02010600030101010101" pitchFamily="2" charset="-122"/>
+                <a:cs typeface="Times New Roman" panose="02020603050405020304" pitchFamily="18" charset="0"/>
+              </a:rPr>
+              <a:t>前期</a:t>
+            </a:r>
+            <a:r>
+              <a:rPr lang="zh-CN" altLang="en-US" sz="2400" kern="100" dirty="0">
+                <a:effectLst/>
+                <a:latin typeface="Calibri" panose="020F0502020204030204" pitchFamily="34" charset="0"/>
+                <a:ea typeface="宋体" panose="02010600030101010101" pitchFamily="2" charset="-122"/>
+                <a:cs typeface="Times New Roman" panose="02020603050405020304" pitchFamily="18" charset="0"/>
+              </a:rPr>
+              <a:t>本组</a:t>
+            </a:r>
+            <a:r>
+              <a:rPr lang="zh-CN" altLang="zh-CN" sz="2400" kern="100" dirty="0">
+                <a:effectLst/>
+                <a:latin typeface="Calibri" panose="020F0502020204030204" pitchFamily="34" charset="0"/>
+                <a:ea typeface="宋体" panose="02010600030101010101" pitchFamily="2" charset="-122"/>
+                <a:cs typeface="Times New Roman" panose="02020603050405020304" pitchFamily="18" charset="0"/>
+              </a:rPr>
+              <a:t>开发文档</a:t>
+            </a:r>
+          </a:p>
+          <a:p>
+            <a:endParaRPr lang="en-US" altLang="zh-CN" dirty="0"/>
+          </a:p>
+        </p:txBody>
+      </p:sp>
+    </p:spTree>
+    <p:extLst>
+      <p:ext uri="{BB962C8B-B14F-4D97-AF65-F5344CB8AC3E}">
+        <p14:creationId xmlns:p14="http://schemas.microsoft.com/office/powerpoint/2010/main" val="3744977023"/>
+      </p:ext>
+    </p:extLst>
+  </p:cSld>
+  <p:clrMapOvr>
+    <a:masterClrMapping/>
+  </p:clrMapOvr>
+</p:sld>
+</file>
+
+<file path=ppt/slides/slide6.xml><?xml version="1.0" encoding="utf-8"?>
+<p:sld xmlns:a="http://schemas.openxmlformats.org/drawingml/2006/main" xmlns:r="http://schemas.openxmlformats.org/officeDocument/2006/relationships" xmlns:p="http://schemas.openxmlformats.org/presentationml/2006/main">
+  <p:cSld>
+    <p:spTree>
+      <p:nvGrpSpPr>
+        <p:cNvPr id="1" name=""/>
+        <p:cNvGrpSpPr/>
+        <p:nvPr/>
+      </p:nvGrpSpPr>
+      <p:grpSpPr>
+        <a:xfrm>
+          <a:off x="0" y="0"/>
+          <a:ext cx="0" cy="0"/>
+          <a:chOff x="0" y="0"/>
+          <a:chExt cx="0" cy="0"/>
+        </a:xfrm>
+      </p:grpSpPr>
+      <p:sp>
+        <p:nvSpPr>
+          <p:cNvPr id="3" name="矩形 2">
+            <a:extLst>
+              <a:ext uri="{FF2B5EF4-FFF2-40B4-BE49-F238E27FC236}">
+                <a16:creationId xmlns:a16="http://schemas.microsoft.com/office/drawing/2014/main" id="{4F1FEF03-5E8B-404E-9B0F-99E92BE1E58A}"/>
+              </a:ext>
+            </a:extLst>
+          </p:cNvPr>
+          <p:cNvSpPr/>
+          <p:nvPr/>
+        </p:nvSpPr>
+        <p:spPr>
+          <a:xfrm>
+            <a:off x="5237963" y="356828"/>
+            <a:ext cx="1005403" cy="584775"/>
+          </a:xfrm>
+          <a:prstGeom prst="rect">
+            <a:avLst/>
+          </a:prstGeom>
+          <a:noFill/>
+        </p:spPr>
+        <p:txBody>
+          <a:bodyPr wrap="none" lIns="91440" tIns="45720" rIns="91440" bIns="45720">
+            <a:spAutoFit/>
+          </a:bodyPr>
+          <a:lstStyle/>
+          <a:p>
+            <a:pPr algn="ctr"/>
+            <a:r>
+              <a:rPr lang="zh-CN" altLang="en-US" sz="3200" b="0" cap="none" spc="0" dirty="0">
+                <a:ln w="0"/>
+                <a:solidFill>
+                  <a:schemeClr val="tx1"/>
+                </a:solidFill>
+                <a:effectLst>
+                  <a:outerShdw blurRad="38100" dist="19050" dir="2700000" algn="tl" rotWithShape="0">
+                    <a:schemeClr val="dk1">
+                      <a:alpha val="40000"/>
+                    </a:schemeClr>
+                  </a:outerShdw>
+                </a:effectLst>
+              </a:rPr>
+              <a:t>分工</a:t>
+            </a:r>
+          </a:p>
+        </p:txBody>
+      </p:sp>
+      <p:sp>
+        <p:nvSpPr>
+          <p:cNvPr id="4" name="矩形 3">
+            <a:extLst>
+              <a:ext uri="{FF2B5EF4-FFF2-40B4-BE49-F238E27FC236}">
+                <a16:creationId xmlns:a16="http://schemas.microsoft.com/office/drawing/2014/main" id="{1A50D3CE-8F7E-4C5D-81F5-A9A00427512B}"/>
+              </a:ext>
+            </a:extLst>
+          </p:cNvPr>
+          <p:cNvSpPr/>
+          <p:nvPr/>
+        </p:nvSpPr>
+        <p:spPr>
+          <a:xfrm>
+            <a:off x="1772237" y="1189442"/>
+            <a:ext cx="3336988" cy="2082173"/>
+          </a:xfrm>
+          <a:prstGeom prst="rect">
+            <a:avLst/>
+          </a:prstGeom>
+          <a:solidFill>
+            <a:schemeClr val="tx2">
+              <a:lumMod val="75000"/>
+              <a:alpha val="70000"/>
+            </a:schemeClr>
+          </a:solidFill>
+          <a:ln>
+            <a:noFill/>
+          </a:ln>
+        </p:spPr>
+        <p:style>
+          <a:lnRef idx="2">
+            <a:schemeClr val="accent1">
+              <a:shade val="50000"/>
+            </a:schemeClr>
+          </a:lnRef>
+          <a:fillRef idx="1">
+            <a:schemeClr val="accent1"/>
+          </a:fillRef>
+          <a:effectRef idx="0">
+            <a:schemeClr val="accent1"/>
+          </a:effectRef>
+          <a:fontRef idx="minor">
+            <a:schemeClr val="lt1"/>
+          </a:fontRef>
+        </p:style>
+        <p:txBody>
+          <a:bodyPr rtlCol="0" anchor="ctr"/>
+          <a:lstStyle/>
+          <a:p>
+            <a:pPr algn="ctr"/>
+            <a:endParaRPr lang="zh-CN" altLang="en-US">
+              <a:solidFill>
+                <a:schemeClr val="bg1"/>
+              </a:solidFill>
+            </a:endParaRPr>
+          </a:p>
+        </p:txBody>
+      </p:sp>
+      <p:sp>
+        <p:nvSpPr>
+          <p:cNvPr id="5" name="文本框 4">
+            <a:extLst>
+              <a:ext uri="{FF2B5EF4-FFF2-40B4-BE49-F238E27FC236}">
+                <a16:creationId xmlns:a16="http://schemas.microsoft.com/office/drawing/2014/main" id="{47F24C11-5DFB-40FE-BE22-6AB29D9FEA0D}"/>
+              </a:ext>
+            </a:extLst>
+          </p:cNvPr>
+          <p:cNvSpPr txBox="1"/>
+          <p:nvPr/>
+        </p:nvSpPr>
+        <p:spPr>
+          <a:xfrm>
+            <a:off x="1852499" y="1286917"/>
+            <a:ext cx="2556933" cy="1477328"/>
+          </a:xfrm>
+          <a:prstGeom prst="rect">
+            <a:avLst/>
+          </a:prstGeom>
+          <a:noFill/>
+        </p:spPr>
+        <p:txBody>
+          <a:bodyPr wrap="square" rtlCol="0">
+            <a:spAutoFit/>
+          </a:bodyPr>
+          <a:lstStyle/>
+          <a:p>
+            <a:r>
+              <a:rPr lang="zh-CN" altLang="en-US" dirty="0">
+                <a:solidFill>
+                  <a:schemeClr val="bg1"/>
+                </a:solidFill>
+              </a:rPr>
+              <a:t>吴登钻</a:t>
+            </a:r>
+            <a:endParaRPr lang="en-US" altLang="zh-CN" dirty="0">
+              <a:solidFill>
+                <a:schemeClr val="bg1"/>
+              </a:solidFill>
+            </a:endParaRPr>
+          </a:p>
+          <a:p>
+            <a:endParaRPr lang="en-US" altLang="zh-CN" dirty="0">
+              <a:solidFill>
+                <a:schemeClr val="bg1"/>
+              </a:solidFill>
+            </a:endParaRPr>
+          </a:p>
+          <a:p>
+            <a:endParaRPr lang="en-US" altLang="zh-CN" dirty="0">
+              <a:solidFill>
+                <a:schemeClr val="bg1"/>
+              </a:solidFill>
+            </a:endParaRPr>
+          </a:p>
+          <a:p>
+            <a:r>
+              <a:rPr lang="zh-CN" altLang="en-US" dirty="0">
+                <a:solidFill>
+                  <a:schemeClr val="bg1"/>
+                </a:solidFill>
+              </a:rPr>
+              <a:t>         测试报告</a:t>
+            </a:r>
+            <a:endParaRPr lang="en-US" altLang="zh-CN" dirty="0">
+              <a:solidFill>
+                <a:schemeClr val="bg1"/>
+              </a:solidFill>
+            </a:endParaRPr>
+          </a:p>
+          <a:p>
+            <a:r>
+              <a:rPr lang="zh-CN" altLang="en-US" dirty="0">
+                <a:solidFill>
+                  <a:schemeClr val="bg1"/>
+                </a:solidFill>
+              </a:rPr>
+              <a:t>         用户手册</a:t>
+            </a:r>
+            <a:endParaRPr lang="zh-CN" altLang="en-US" dirty="0"/>
+          </a:p>
+        </p:txBody>
+      </p:sp>
+      <p:sp>
+        <p:nvSpPr>
+          <p:cNvPr id="6" name="矩形 5">
+            <a:extLst>
+              <a:ext uri="{FF2B5EF4-FFF2-40B4-BE49-F238E27FC236}">
+                <a16:creationId xmlns:a16="http://schemas.microsoft.com/office/drawing/2014/main" id="{11A15ED4-F54B-4A85-9824-7B15B33BE47B}"/>
+              </a:ext>
+            </a:extLst>
+          </p:cNvPr>
+          <p:cNvSpPr/>
+          <p:nvPr/>
+        </p:nvSpPr>
+        <p:spPr>
+          <a:xfrm>
+            <a:off x="7827980" y="2426947"/>
+            <a:ext cx="3336988" cy="2082173"/>
+          </a:xfrm>
+          <a:prstGeom prst="rect">
+            <a:avLst/>
+          </a:prstGeom>
+          <a:solidFill>
+            <a:schemeClr val="tx2">
+              <a:lumMod val="75000"/>
+              <a:alpha val="70000"/>
+            </a:schemeClr>
+          </a:solidFill>
+          <a:ln>
+            <a:noFill/>
+          </a:ln>
+        </p:spPr>
+        <p:style>
+          <a:lnRef idx="2">
+            <a:schemeClr val="accent1">
+              <a:shade val="50000"/>
+            </a:schemeClr>
+          </a:lnRef>
+          <a:fillRef idx="1">
+            <a:schemeClr val="accent1"/>
+          </a:fillRef>
+          <a:effectRef idx="0">
+            <a:schemeClr val="accent1"/>
+          </a:effectRef>
+          <a:fontRef idx="minor">
+            <a:schemeClr val="lt1"/>
+          </a:fontRef>
+        </p:style>
+        <p:txBody>
+          <a:bodyPr rtlCol="0" anchor="ctr"/>
+          <a:lstStyle/>
+          <a:p>
+            <a:pPr algn="ctr"/>
+            <a:endParaRPr lang="zh-CN" altLang="en-US">
+              <a:solidFill>
+                <a:schemeClr val="bg1"/>
+              </a:solidFill>
+            </a:endParaRPr>
+          </a:p>
+        </p:txBody>
+      </p:sp>
+      <p:sp>
+        <p:nvSpPr>
+          <p:cNvPr id="7" name="文本框 6">
+            <a:extLst>
+              <a:ext uri="{FF2B5EF4-FFF2-40B4-BE49-F238E27FC236}">
+                <a16:creationId xmlns:a16="http://schemas.microsoft.com/office/drawing/2014/main" id="{3FF51CB1-50A2-44EA-A32F-DEB68FCD7F16}"/>
+              </a:ext>
+            </a:extLst>
+          </p:cNvPr>
+          <p:cNvSpPr txBox="1"/>
+          <p:nvPr/>
+        </p:nvSpPr>
+        <p:spPr>
+          <a:xfrm>
+            <a:off x="8057871" y="2569205"/>
+            <a:ext cx="2556933" cy="1477328"/>
+          </a:xfrm>
+          <a:prstGeom prst="rect">
+            <a:avLst/>
+          </a:prstGeom>
+          <a:noFill/>
+        </p:spPr>
+        <p:txBody>
+          <a:bodyPr wrap="square" rtlCol="0">
+            <a:spAutoFit/>
+          </a:bodyPr>
+          <a:lstStyle/>
+          <a:p>
+            <a:r>
+              <a:rPr lang="zh-CN" altLang="en-US" dirty="0">
+                <a:solidFill>
+                  <a:schemeClr val="bg1"/>
+                </a:solidFill>
+              </a:rPr>
+              <a:t>钟朱楠</a:t>
+            </a:r>
+            <a:endParaRPr lang="en-US" altLang="zh-CN" dirty="0">
+              <a:solidFill>
+                <a:schemeClr val="bg1"/>
+              </a:solidFill>
+            </a:endParaRPr>
+          </a:p>
+          <a:p>
+            <a:endParaRPr lang="en-US" altLang="zh-CN" dirty="0">
+              <a:solidFill>
+                <a:schemeClr val="bg1"/>
+              </a:solidFill>
+            </a:endParaRPr>
+          </a:p>
+          <a:p>
+            <a:endParaRPr lang="en-US" altLang="zh-CN" dirty="0">
+              <a:solidFill>
+                <a:schemeClr val="bg1"/>
+              </a:solidFill>
+            </a:endParaRPr>
+          </a:p>
+          <a:p>
+            <a:r>
+              <a:rPr lang="zh-CN" altLang="en-US" dirty="0">
+                <a:solidFill>
+                  <a:schemeClr val="bg1"/>
+                </a:solidFill>
+              </a:rPr>
+              <a:t>       测试报告</a:t>
+            </a:r>
+            <a:endParaRPr lang="en-US" altLang="zh-CN" dirty="0">
+              <a:solidFill>
+                <a:schemeClr val="bg1"/>
+              </a:solidFill>
+            </a:endParaRPr>
+          </a:p>
+          <a:p>
+            <a:r>
+              <a:rPr lang="zh-CN" altLang="en-US" dirty="0">
+                <a:solidFill>
+                  <a:schemeClr val="bg1"/>
+                </a:solidFill>
+              </a:rPr>
+              <a:t>       代码规范</a:t>
+            </a:r>
+          </a:p>
+        </p:txBody>
+      </p:sp>
+      <p:sp>
+        <p:nvSpPr>
+          <p:cNvPr id="8" name="矩形 7">
+            <a:extLst>
+              <a:ext uri="{FF2B5EF4-FFF2-40B4-BE49-F238E27FC236}">
+                <a16:creationId xmlns:a16="http://schemas.microsoft.com/office/drawing/2014/main" id="{C8E7AC34-B204-4D63-9FF0-F45E7FD44EBB}"/>
+              </a:ext>
+            </a:extLst>
+          </p:cNvPr>
+          <p:cNvSpPr/>
+          <p:nvPr/>
+        </p:nvSpPr>
+        <p:spPr>
+          <a:xfrm>
+            <a:off x="1772237" y="4048972"/>
+            <a:ext cx="3336988" cy="2082173"/>
+          </a:xfrm>
+          <a:prstGeom prst="rect">
+            <a:avLst/>
+          </a:prstGeom>
+          <a:solidFill>
+            <a:schemeClr val="tx2">
+              <a:lumMod val="75000"/>
+              <a:alpha val="70000"/>
+            </a:schemeClr>
+          </a:solidFill>
+          <a:ln>
+            <a:noFill/>
+          </a:ln>
+        </p:spPr>
+        <p:style>
+          <a:lnRef idx="2">
+            <a:schemeClr val="accent1">
+              <a:shade val="50000"/>
+            </a:schemeClr>
+          </a:lnRef>
+          <a:fillRef idx="1">
+            <a:schemeClr val="accent1"/>
+          </a:fillRef>
+          <a:effectRef idx="0">
+            <a:schemeClr val="accent1"/>
+          </a:effectRef>
+          <a:fontRef idx="minor">
+            <a:schemeClr val="lt1"/>
+          </a:fontRef>
+        </p:style>
+        <p:txBody>
+          <a:bodyPr rtlCol="0" anchor="ctr"/>
+          <a:lstStyle/>
+          <a:p>
+            <a:pPr algn="ctr"/>
+            <a:endParaRPr lang="zh-CN" altLang="en-US">
+              <a:solidFill>
+                <a:schemeClr val="bg1"/>
+              </a:solidFill>
+            </a:endParaRPr>
+          </a:p>
+        </p:txBody>
+      </p:sp>
+      <p:sp>
+        <p:nvSpPr>
+          <p:cNvPr id="9" name="文本框 8">
+            <a:extLst>
+              <a:ext uri="{FF2B5EF4-FFF2-40B4-BE49-F238E27FC236}">
+                <a16:creationId xmlns:a16="http://schemas.microsoft.com/office/drawing/2014/main" id="{B63EDE63-FD2E-43FF-84EB-5C8369BFA08A}"/>
+              </a:ext>
+            </a:extLst>
+          </p:cNvPr>
+          <p:cNvSpPr txBox="1"/>
+          <p:nvPr/>
+        </p:nvSpPr>
+        <p:spPr>
+          <a:xfrm>
+            <a:off x="2002127" y="4191230"/>
+            <a:ext cx="2556933" cy="1477328"/>
+          </a:xfrm>
+          <a:prstGeom prst="rect">
+            <a:avLst/>
+          </a:prstGeom>
+          <a:noFill/>
+        </p:spPr>
+        <p:txBody>
+          <a:bodyPr wrap="square" rtlCol="0">
+            <a:spAutoFit/>
+          </a:bodyPr>
+          <a:lstStyle/>
+          <a:p>
+            <a:r>
+              <a:rPr lang="zh-CN" altLang="en-US" dirty="0">
+                <a:solidFill>
+                  <a:schemeClr val="bg1"/>
+                </a:solidFill>
+              </a:rPr>
+              <a:t>赵晟浩</a:t>
+            </a:r>
+            <a:endParaRPr lang="en-US" altLang="zh-CN" dirty="0">
+              <a:solidFill>
+                <a:schemeClr val="bg1"/>
+              </a:solidFill>
+            </a:endParaRPr>
+          </a:p>
+          <a:p>
+            <a:endParaRPr lang="en-US" altLang="zh-CN" dirty="0">
+              <a:solidFill>
+                <a:schemeClr val="bg1"/>
+              </a:solidFill>
+            </a:endParaRPr>
+          </a:p>
+          <a:p>
+            <a:endParaRPr lang="en-US" altLang="zh-CN" dirty="0">
+              <a:solidFill>
+                <a:schemeClr val="bg1"/>
+              </a:solidFill>
+            </a:endParaRPr>
+          </a:p>
+          <a:p>
+            <a:r>
+              <a:rPr lang="zh-CN" altLang="en-US" dirty="0">
+                <a:solidFill>
+                  <a:schemeClr val="bg1"/>
+                </a:solidFill>
+              </a:rPr>
+              <a:t>     修改项目计划</a:t>
+            </a:r>
+            <a:endParaRPr lang="en-US" altLang="zh-CN" dirty="0">
+              <a:solidFill>
+                <a:schemeClr val="bg1"/>
+              </a:solidFill>
+            </a:endParaRPr>
+          </a:p>
+          <a:p>
+            <a:r>
+              <a:rPr lang="zh-CN" altLang="en-US" dirty="0">
+                <a:solidFill>
+                  <a:schemeClr val="bg1"/>
+                </a:solidFill>
+              </a:rPr>
+              <a:t>     修改详细设计</a:t>
+            </a:r>
+            <a:endParaRPr lang="en-US" altLang="zh-CN" dirty="0">
+              <a:solidFill>
+                <a:schemeClr val="bg1"/>
+              </a:solidFill>
+            </a:endParaRPr>
+          </a:p>
+        </p:txBody>
+      </p:sp>
+    </p:spTree>
+    <p:extLst>
+      <p:ext uri="{BB962C8B-B14F-4D97-AF65-F5344CB8AC3E}">
+        <p14:creationId xmlns:p14="http://schemas.microsoft.com/office/powerpoint/2010/main" val="3539789784"/>
+      </p:ext>
+    </p:extLst>
+  </p:cSld>
+  <p:clrMapOvr>
+    <a:masterClrMapping/>
+  </p:clrMapOvr>
+</p:sld>
+</file>
+
+<file path=ppt/slides/slide7.xml><?xml version="1.0" encoding="utf-8"?>
 <p:sld xmlns:a="http://schemas.openxmlformats.org/drawingml/2006/main" xmlns:r="http://schemas.openxmlformats.org/officeDocument/2006/relationships" xmlns:p="http://schemas.openxmlformats.org/presentationml/2006/main">
   <p:cSld>
     <p:spTree>
